--- a/Network/DNS 개념 정리.pptx
+++ b/Network/DNS 개념 정리.pptx
@@ -253,7 +253,7 @@
           <a:p>
             <a:fld id="{0701E38F-D71B-4628-B377-F26FA834EB07}" type="datetimeFigureOut">
               <a:rPr lang="ko-KR" altLang="en-US" smtClean="0"/>
-              <a:t>2022-12-07</a:t>
+              <a:t>2022-12-09</a:t>
             </a:fld>
             <a:endParaRPr lang="ko-KR" altLang="en-US"/>
           </a:p>
@@ -419,7 +419,7 @@
             <a:fld id="{BC75A1C1-99F9-4ED1-B968-97F8F766565C}" type="datetimeFigureOut">
               <a:rPr lang="ko-KR" altLang="en-US" smtClean="0"/>
               <a:pPr/>
-              <a:t>2022-12-07</a:t>
+              <a:t>2022-12-09</a:t>
             </a:fld>
             <a:endParaRPr lang="ko-KR" altLang="en-US"/>
           </a:p>
